--- a/paper/jupyter_results/architecture_rnn_rnn.pptx
+++ b/paper/jupyter_results/architecture_rnn_rnn.pptx
@@ -9268,7 +9268,7 @@
         </p:nvSpPr>
         <p:spPr bwMode="gray">
           <a:xfrm rot="16200000">
-            <a:off x="1455039" y="3840480"/>
+            <a:off x="2195703" y="2660904"/>
             <a:ext cx="1426463" cy="3447288"/>
           </a:xfrm>
           <a:prstGeom prst="roundRect">
@@ -9345,7 +9345,7 @@
         </p:nvSpPr>
         <p:spPr bwMode="gray">
           <a:xfrm rot="16200000">
-            <a:off x="843915" y="5471159"/>
+            <a:off x="1584579" y="4291583"/>
             <a:ext cx="356616" cy="896112"/>
           </a:xfrm>
           <a:prstGeom prst="roundRect">
@@ -9417,7 +9417,7 @@
         </p:nvSpPr>
         <p:spPr bwMode="gray">
           <a:xfrm rot="16200000">
-            <a:off x="656463" y="5823203"/>
+            <a:off x="1397127" y="4643627"/>
             <a:ext cx="192024" cy="192024"/>
           </a:xfrm>
           <a:prstGeom prst="ellipse">
@@ -9489,7 +9489,7 @@
         </p:nvSpPr>
         <p:spPr bwMode="gray">
           <a:xfrm rot="16200000">
-            <a:off x="918591" y="5823203"/>
+            <a:off x="1659255" y="4643627"/>
             <a:ext cx="192024" cy="192024"/>
           </a:xfrm>
           <a:prstGeom prst="ellipse">
@@ -9561,7 +9561,7 @@
         </p:nvSpPr>
         <p:spPr bwMode="gray">
           <a:xfrm rot="16200000">
-            <a:off x="1180719" y="5823203"/>
+            <a:off x="1921383" y="4643627"/>
             <a:ext cx="192024" cy="192024"/>
           </a:xfrm>
           <a:prstGeom prst="ellipse">
@@ -9633,7 +9633,7 @@
         </p:nvSpPr>
         <p:spPr bwMode="gray">
           <a:xfrm rot="16200000">
-            <a:off x="1846707" y="5471158"/>
+            <a:off x="2587371" y="4291582"/>
             <a:ext cx="356616" cy="896112"/>
           </a:xfrm>
           <a:prstGeom prst="roundRect">
@@ -9705,7 +9705,7 @@
         </p:nvSpPr>
         <p:spPr bwMode="gray">
           <a:xfrm rot="16200000">
-            <a:off x="1659255" y="5823202"/>
+            <a:off x="2399919" y="4643626"/>
             <a:ext cx="192024" cy="192024"/>
           </a:xfrm>
           <a:prstGeom prst="ellipse">
@@ -9777,7 +9777,7 @@
         </p:nvSpPr>
         <p:spPr bwMode="gray">
           <a:xfrm rot="16200000">
-            <a:off x="1921383" y="5823202"/>
+            <a:off x="2662047" y="4643626"/>
             <a:ext cx="192024" cy="192024"/>
           </a:xfrm>
           <a:prstGeom prst="ellipse">
@@ -9849,7 +9849,7 @@
         </p:nvSpPr>
         <p:spPr bwMode="gray">
           <a:xfrm rot="16200000">
-            <a:off x="2183512" y="5823202"/>
+            <a:off x="2924176" y="4643626"/>
             <a:ext cx="192024" cy="192024"/>
           </a:xfrm>
           <a:prstGeom prst="ellipse">
@@ -9921,7 +9921,7 @@
         </p:nvSpPr>
         <p:spPr bwMode="gray">
           <a:xfrm rot="16200000">
-            <a:off x="3104006" y="5471158"/>
+            <a:off x="3844670" y="4291582"/>
             <a:ext cx="356616" cy="896112"/>
           </a:xfrm>
           <a:prstGeom prst="roundRect">
@@ -9993,7 +9993,7 @@
         </p:nvSpPr>
         <p:spPr bwMode="gray">
           <a:xfrm rot="16200000">
-            <a:off x="2916554" y="5823202"/>
+            <a:off x="3657218" y="4643626"/>
             <a:ext cx="192024" cy="192024"/>
           </a:xfrm>
           <a:prstGeom prst="ellipse">
@@ -10065,7 +10065,7 @@
         </p:nvSpPr>
         <p:spPr bwMode="gray">
           <a:xfrm rot="16200000">
-            <a:off x="3178682" y="5823202"/>
+            <a:off x="3919346" y="4643626"/>
             <a:ext cx="192024" cy="192024"/>
           </a:xfrm>
           <a:prstGeom prst="ellipse">
@@ -10137,7 +10137,7 @@
         </p:nvSpPr>
         <p:spPr bwMode="gray">
           <a:xfrm rot="16200000">
-            <a:off x="3440810" y="5823202"/>
+            <a:off x="4181474" y="4643626"/>
             <a:ext cx="192024" cy="192024"/>
           </a:xfrm>
           <a:prstGeom prst="ellipse">
@@ -10209,7 +10209,7 @@
         </p:nvSpPr>
         <p:spPr bwMode="gray">
           <a:xfrm>
-            <a:off x="601599" y="5019675"/>
+            <a:off x="1342263" y="3840099"/>
             <a:ext cx="841248" cy="332232"/>
           </a:xfrm>
           <a:prstGeom prst="rect">
@@ -10288,7 +10288,7 @@
         </p:nvSpPr>
         <p:spPr bwMode="gray">
           <a:xfrm>
-            <a:off x="1604391" y="5019675"/>
+            <a:off x="2345055" y="3840099"/>
             <a:ext cx="841248" cy="332232"/>
           </a:xfrm>
           <a:prstGeom prst="rect">
@@ -10367,7 +10367,7 @@
         </p:nvSpPr>
         <p:spPr bwMode="gray">
           <a:xfrm>
-            <a:off x="2861690" y="5019675"/>
+            <a:off x="3602354" y="3840099"/>
             <a:ext cx="841248" cy="332232"/>
           </a:xfrm>
           <a:prstGeom prst="rect">
@@ -10450,7 +10450,7 @@
         </p:nvCxnSpPr>
         <p:spPr>
           <a:xfrm>
-            <a:off x="1442847" y="5185791"/>
+            <a:off x="2183511" y="4006215"/>
             <a:ext cx="161544" cy="0"/>
           </a:xfrm>
           <a:prstGeom prst="straightConnector1">
@@ -10494,7 +10494,7 @@
         </p:nvCxnSpPr>
         <p:spPr>
           <a:xfrm>
-            <a:off x="2445639" y="5185792"/>
+            <a:off x="3186303" y="4006216"/>
             <a:ext cx="416051" cy="0"/>
           </a:xfrm>
           <a:prstGeom prst="straightConnector1">
@@ -10539,7 +10539,7 @@
         </p:nvCxnSpPr>
         <p:spPr>
           <a:xfrm flipV="1">
-            <a:off x="1022223" y="5351907"/>
+            <a:off x="1762887" y="4172331"/>
             <a:ext cx="0" cy="389000"/>
           </a:xfrm>
           <a:prstGeom prst="straightConnector1">
@@ -10583,7 +10583,7 @@
         </p:nvCxnSpPr>
         <p:spPr>
           <a:xfrm flipV="1">
-            <a:off x="2025015" y="5351907"/>
+            <a:off x="2765679" y="4172331"/>
             <a:ext cx="0" cy="388999"/>
           </a:xfrm>
           <a:prstGeom prst="straightConnector1">
@@ -10627,7 +10627,7 @@
         </p:nvCxnSpPr>
         <p:spPr>
           <a:xfrm flipV="1">
-            <a:off x="3282314" y="5351907"/>
+            <a:off x="4022978" y="4172331"/>
             <a:ext cx="0" cy="388999"/>
           </a:xfrm>
           <a:prstGeom prst="straightConnector1">
@@ -10667,7 +10667,7 @@
         </p:nvSpPr>
         <p:spPr>
           <a:xfrm>
-            <a:off x="2538247" y="5780715"/>
+            <a:off x="3278911" y="4601139"/>
             <a:ext cx="230832" cy="276999"/>
           </a:xfrm>
           <a:prstGeom prst="rect">
@@ -10720,7 +10720,7 @@
         </p:nvSpPr>
         <p:spPr bwMode="gray">
           <a:xfrm>
-            <a:off x="4280916" y="4123943"/>
+            <a:off x="5021580" y="2944367"/>
             <a:ext cx="841248" cy="332232"/>
           </a:xfrm>
           <a:prstGeom prst="rect">
@@ -10799,7 +10799,7 @@
         </p:nvSpPr>
         <p:spPr bwMode="gray">
           <a:xfrm>
-            <a:off x="2861690" y="4123943"/>
+            <a:off x="3602354" y="2944367"/>
             <a:ext cx="841248" cy="332232"/>
           </a:xfrm>
           <a:prstGeom prst="rect">
@@ -10878,7 +10878,7 @@
         </p:nvSpPr>
         <p:spPr bwMode="gray">
           <a:xfrm rot="16200000">
-            <a:off x="3969816" y="5007657"/>
+            <a:off x="4710480" y="3828081"/>
             <a:ext cx="1426463" cy="1112935"/>
           </a:xfrm>
           <a:prstGeom prst="roundRect">
@@ -10955,7 +10955,7 @@
         </p:nvSpPr>
         <p:spPr bwMode="gray">
           <a:xfrm>
-            <a:off x="4283552" y="5019676"/>
+            <a:off x="5024216" y="3840100"/>
             <a:ext cx="841248" cy="332232"/>
           </a:xfrm>
           <a:prstGeom prst="rect">
@@ -11034,7 +11034,7 @@
         </p:nvSpPr>
         <p:spPr bwMode="gray">
           <a:xfrm rot="16200000">
-            <a:off x="5731560" y="5007656"/>
+            <a:off x="6472224" y="3828080"/>
             <a:ext cx="1426463" cy="1112935"/>
           </a:xfrm>
           <a:prstGeom prst="roundRect">
@@ -11111,7 +11111,7 @@
         </p:nvSpPr>
         <p:spPr>
           <a:xfrm>
-            <a:off x="5448503" y="5731756"/>
+            <a:off x="6189167" y="4552180"/>
             <a:ext cx="230832" cy="276999"/>
           </a:xfrm>
           <a:prstGeom prst="rect">
@@ -11168,7 +11168,7 @@
         </p:nvCxnSpPr>
         <p:spPr>
           <a:xfrm flipV="1">
-            <a:off x="3282314" y="4456175"/>
+            <a:off x="4022978" y="3276599"/>
             <a:ext cx="0" cy="563500"/>
           </a:xfrm>
           <a:prstGeom prst="straightConnector1">
@@ -11212,7 +11212,7 @@
         </p:nvCxnSpPr>
         <p:spPr>
           <a:xfrm flipH="1" flipV="1">
-            <a:off x="4701540" y="4456175"/>
+            <a:off x="5442204" y="3276599"/>
             <a:ext cx="2636" cy="563501"/>
           </a:xfrm>
           <a:prstGeom prst="straightConnector1">
@@ -11252,7 +11252,7 @@
         </p:nvSpPr>
         <p:spPr bwMode="gray">
           <a:xfrm>
-            <a:off x="6041137" y="4123943"/>
+            <a:off x="6781801" y="2944367"/>
             <a:ext cx="841248" cy="332232"/>
           </a:xfrm>
           <a:prstGeom prst="rect">
@@ -11331,7 +11331,7 @@
         </p:nvSpPr>
         <p:spPr bwMode="gray">
           <a:xfrm>
-            <a:off x="6043773" y="5019676"/>
+            <a:off x="6784437" y="3840100"/>
             <a:ext cx="841248" cy="332232"/>
           </a:xfrm>
           <a:prstGeom prst="rect">
@@ -11414,7 +11414,7 @@
         </p:nvCxnSpPr>
         <p:spPr>
           <a:xfrm flipH="1" flipV="1">
-            <a:off x="6461761" y="4456175"/>
+            <a:off x="7202425" y="3276599"/>
             <a:ext cx="2636" cy="563501"/>
           </a:xfrm>
           <a:prstGeom prst="straightConnector1">
@@ -11458,7 +11458,7 @@
         </p:nvCxnSpPr>
         <p:spPr>
           <a:xfrm>
-            <a:off x="3702938" y="4290059"/>
+            <a:off x="4443602" y="3110483"/>
             <a:ext cx="577978" cy="0"/>
           </a:xfrm>
           <a:prstGeom prst="straightConnector1">
@@ -11502,7 +11502,7 @@
         </p:nvCxnSpPr>
         <p:spPr>
           <a:xfrm>
-            <a:off x="5122164" y="4290059"/>
+            <a:off x="5862828" y="3110483"/>
             <a:ext cx="918973" cy="0"/>
           </a:xfrm>
           <a:prstGeom prst="straightConnector1">
@@ -11543,7 +11543,7 @@
         </p:nvSpPr>
         <p:spPr bwMode="gray">
           <a:xfrm>
-            <a:off x="6041137" y="3345179"/>
+            <a:off x="6781801" y="2165603"/>
             <a:ext cx="841248" cy="332232"/>
           </a:xfrm>
           <a:prstGeom prst="rect">
@@ -11626,7 +11626,7 @@
         </p:nvCxnSpPr>
         <p:spPr>
           <a:xfrm flipV="1">
-            <a:off x="6461761" y="3677411"/>
+            <a:off x="7202425" y="2497835"/>
             <a:ext cx="0" cy="446532"/>
           </a:xfrm>
           <a:prstGeom prst="straightConnector1">
@@ -11670,7 +11670,7 @@
         </p:nvCxnSpPr>
         <p:spPr>
           <a:xfrm flipV="1">
-            <a:off x="6461761" y="2967037"/>
+            <a:off x="7202425" y="1787461"/>
             <a:ext cx="0" cy="378142"/>
           </a:xfrm>
           <a:prstGeom prst="straightConnector1">
@@ -11710,7 +11710,7 @@
         </p:nvSpPr>
         <p:spPr bwMode="gray">
           <a:xfrm>
-            <a:off x="5908549" y="2601657"/>
+            <a:off x="6649213" y="1422081"/>
             <a:ext cx="1106423" cy="365380"/>
           </a:xfrm>
           <a:prstGeom prst="ellipse">
@@ -11768,6 +11768,128 @@
               </a:rPr>
               <a:t>Score</a:t>
             </a:r>
+          </a:p>
+        </p:txBody>
+      </p:sp>
+      <p:sp>
+        <p:nvSpPr>
+          <p:cNvPr id="2" name="Rectangle 1">
+            <a:extLst>
+              <a:ext uri="{FF2B5EF4-FFF2-40B4-BE49-F238E27FC236}">
+                <a16:creationId xmlns:a16="http://schemas.microsoft.com/office/drawing/2014/main" id="{C0FB4123-EB58-B44A-BE07-92FECE8FA470}"/>
+              </a:ext>
+            </a:extLst>
+          </p:cNvPr>
+          <p:cNvSpPr/>
+          <p:nvPr/>
+        </p:nvSpPr>
+        <p:spPr bwMode="gray">
+          <a:xfrm>
+            <a:off x="-1222058" y="1653538"/>
+            <a:ext cx="2167128" cy="3086099"/>
+          </a:xfrm>
+          <a:prstGeom prst="rect">
+            <a:avLst/>
+          </a:prstGeom>
+          <a:noFill/>
+          <a:ln w="25400" algn="ctr">
+            <a:noFill/>
+            <a:miter lim="800000"/>
+            <a:headEnd/>
+            <a:tailEnd/>
+          </a:ln>
+        </p:spPr>
+        <p:txBody>
+          <a:bodyPr lIns="90000" tIns="72000" rIns="90000" bIns="72000" rtlCol="0" anchor="ctr"/>
+          <a:lstStyle/>
+          <a:p>
+            <a:pPr marR="0" algn="ctr" defTabSz="914400" eaLnBrk="1" fontAlgn="base" latinLnBrk="0" hangingPunct="1">
+              <a:lnSpc>
+                <a:spcPct val="100000"/>
+              </a:lnSpc>
+              <a:spcBef>
+                <a:spcPct val="50000"/>
+              </a:spcBef>
+              <a:spcAft>
+                <a:spcPct val="0"/>
+              </a:spcAft>
+              <a:buClr>
+                <a:srgbClr val="F0AB00"/>
+              </a:buClr>
+              <a:buSzPct val="80000"/>
+              <a:tabLst/>
+            </a:pPr>
+            <a:endParaRPr kumimoji="0" lang="en-US" sz="1800" b="0" i="0" u="none" strike="noStrike" kern="0" cap="none" spc="0" normalizeH="0" baseline="0" noProof="0" dirty="0" err="1">
+              <a:ln>
+                <a:noFill/>
+              </a:ln>
+              <a:effectLst/>
+              <a:uLnTx/>
+              <a:uFillTx/>
+              <a:ea typeface="Arial Unicode MS" pitchFamily="34" charset="-128"/>
+              <a:cs typeface="Arial Unicode MS" pitchFamily="34" charset="-128"/>
+            </a:endParaRPr>
+          </a:p>
+        </p:txBody>
+      </p:sp>
+      <p:sp>
+        <p:nvSpPr>
+          <p:cNvPr id="47" name="Rectangle 46">
+            <a:extLst>
+              <a:ext uri="{FF2B5EF4-FFF2-40B4-BE49-F238E27FC236}">
+                <a16:creationId xmlns:a16="http://schemas.microsoft.com/office/drawing/2014/main" id="{AFE15DC5-221A-2947-BB90-6CA4E9BDB2D8}"/>
+              </a:ext>
+            </a:extLst>
+          </p:cNvPr>
+          <p:cNvSpPr/>
+          <p:nvPr/>
+        </p:nvSpPr>
+        <p:spPr bwMode="gray">
+          <a:xfrm>
+            <a:off x="8469821" y="1653538"/>
+            <a:ext cx="2167128" cy="3086099"/>
+          </a:xfrm>
+          <a:prstGeom prst="rect">
+            <a:avLst/>
+          </a:prstGeom>
+          <a:noFill/>
+          <a:ln w="25400" algn="ctr">
+            <a:noFill/>
+            <a:miter lim="800000"/>
+            <a:headEnd/>
+            <a:tailEnd/>
+          </a:ln>
+        </p:spPr>
+        <p:txBody>
+          <a:bodyPr lIns="90000" tIns="72000" rIns="90000" bIns="72000" rtlCol="0" anchor="ctr"/>
+          <a:lstStyle/>
+          <a:p>
+            <a:pPr marR="0" algn="ctr" defTabSz="914400" eaLnBrk="1" fontAlgn="base" latinLnBrk="0" hangingPunct="1">
+              <a:lnSpc>
+                <a:spcPct val="100000"/>
+              </a:lnSpc>
+              <a:spcBef>
+                <a:spcPct val="50000"/>
+              </a:spcBef>
+              <a:spcAft>
+                <a:spcPct val="0"/>
+              </a:spcAft>
+              <a:buClr>
+                <a:srgbClr val="F0AB00"/>
+              </a:buClr>
+              <a:buSzPct val="80000"/>
+              <a:tabLst/>
+            </a:pPr>
+            <a:endParaRPr kumimoji="0" lang="en-US" sz="1800" b="0" i="0" u="none" strike="noStrike" kern="0" cap="none" spc="0" normalizeH="0" baseline="0" noProof="0" dirty="0" err="1">
+              <a:ln>
+                <a:noFill/>
+              </a:ln>
+              <a:effectLst/>
+              <a:uLnTx/>
+              <a:uFillTx/>
+              <a:ea typeface="Arial Unicode MS" pitchFamily="34" charset="-128"/>
+              <a:cs typeface="Arial Unicode MS" pitchFamily="34" charset="-128"/>
+            </a:endParaRPr>
           </a:p>
         </p:txBody>
       </p:sp>
